--- a/final-project/1/Final-project-EinsZhao.pptx
+++ b/final-project/1/Final-project-EinsZhao.pptx
@@ -4,11 +4,19 @@
   <p:sldMasterIdLst>
     <p:sldMasterId id="2147483648" r:id="rId1"/>
   </p:sldMasterIdLst>
+  <p:notesMasterIdLst>
+    <p:notesMasterId r:id="rId9"/>
+  </p:notesMasterIdLst>
+  <p:handoutMasterIdLst>
+    <p:handoutMasterId r:id="rId10"/>
+  </p:handoutMasterIdLst>
   <p:sldIdLst>
-    <p:sldId id="256" r:id="rId3"/>
-    <p:sldId id="257" r:id="rId4"/>
-    <p:sldId id="258" r:id="rId5"/>
-    <p:sldId id="259" r:id="rId6"/>
+    <p:sldId id="257" r:id="rId3"/>
+    <p:sldId id="258" r:id="rId4"/>
+    <p:sldId id="259" r:id="rId5"/>
+    <p:sldId id="260" r:id="rId6"/>
+    <p:sldId id="261" r:id="rId7"/>
+    <p:sldId id="262" r:id="rId8"/>
   </p:sldIdLst>
   <p:sldSz cx="12192000" cy="6858000"/>
   <p:notesSz cx="6858000" cy="9144000"/>
@@ -108,6 +116,511 @@
     </a:lvl9pPr>
   </p:defaultTextStyle>
 </p:presentation>
+</file>
+
+<file path=ppt/handoutMasters/handoutMaster1.xml><?xml version="1.0" encoding="utf-8"?>
+<p:handoutMaster xmlns:a="http://schemas.openxmlformats.org/drawingml/2006/main" xmlns:r="http://schemas.openxmlformats.org/officeDocument/2006/relationships" xmlns:p="http://schemas.openxmlformats.org/presentationml/2006/main">
+  <p:cSld>
+    <p:bg>
+      <p:bgRef idx="1001">
+        <a:schemeClr val="bg1"/>
+      </p:bgRef>
+    </p:bg>
+    <p:spTree>
+      <p:nvGrpSpPr>
+        <p:cNvPr id="1" name=""/>
+        <p:cNvGrpSpPr/>
+        <p:nvPr/>
+      </p:nvGrpSpPr>
+      <p:grpSpPr>
+        <a:xfrm>
+          <a:off x="0" y="0"/>
+          <a:ext cx="0" cy="0"/>
+          <a:chOff x="0" y="0"/>
+          <a:chExt cx="0" cy="0"/>
+        </a:xfrm>
+      </p:grpSpPr>
+      <p:sp>
+        <p:nvSpPr>
+          <p:cNvPr id="2" name="Header Placeholder 1"/>
+          <p:cNvSpPr>
+            <a:spLocks noGrp="1"/>
+          </p:cNvSpPr>
+          <p:nvPr>
+            <p:ph type="hdr" sz="quarter"/>
+          </p:nvPr>
+        </p:nvSpPr>
+        <p:spPr>
+          <a:xfrm>
+            <a:off x="0" y="0"/>
+            <a:ext cx="2971800" cy="458788"/>
+          </a:xfrm>
+          <a:prstGeom prst="rect">
+            <a:avLst/>
+          </a:prstGeom>
+        </p:spPr>
+        <p:txBody>
+          <a:bodyPr vert="horz" lIns="91440" tIns="45720" rIns="91440" bIns="45720" rtlCol="0"/>
+          <a:lstStyle>
+            <a:lvl1pPr algn="l">
+              <a:defRPr sz="1200"/>
+            </a:lvl1pPr>
+          </a:lstStyle>
+          <a:p>
+            <a:endParaRPr lang="en-US"/>
+          </a:p>
+        </p:txBody>
+      </p:sp>
+      <p:sp>
+        <p:nvSpPr>
+          <p:cNvPr id="3" name="Date Placeholder 2"/>
+          <p:cNvSpPr>
+            <a:spLocks noGrp="1"/>
+          </p:cNvSpPr>
+          <p:nvPr>
+            <p:ph type="dt" sz="quarter" idx="1"/>
+          </p:nvPr>
+        </p:nvSpPr>
+        <p:spPr>
+          <a:xfrm>
+            <a:off x="3884613" y="0"/>
+            <a:ext cx="2971800" cy="458788"/>
+          </a:xfrm>
+          <a:prstGeom prst="rect">
+            <a:avLst/>
+          </a:prstGeom>
+        </p:spPr>
+        <p:txBody>
+          <a:bodyPr vert="horz" lIns="91440" tIns="45720" rIns="91440" bIns="45720" rtlCol="0"/>
+          <a:lstStyle>
+            <a:lvl1pPr algn="r">
+              <a:defRPr sz="1200"/>
+            </a:lvl1pPr>
+          </a:lstStyle>
+          <a:p>
+            <a:fld id="{696C064A-D61B-4B21-B757-51A9B82445B8}" type="datetimeFigureOut">
+              <a:rPr lang="en-US" smtClean="0"/>
+            </a:fld>
+            <a:endParaRPr lang="en-US"/>
+          </a:p>
+        </p:txBody>
+      </p:sp>
+      <p:sp>
+        <p:nvSpPr>
+          <p:cNvPr id="4" name="Footer Placeholder 3"/>
+          <p:cNvSpPr>
+            <a:spLocks noGrp="1"/>
+          </p:cNvSpPr>
+          <p:nvPr>
+            <p:ph type="ftr" sz="quarter" idx="2"/>
+          </p:nvPr>
+        </p:nvSpPr>
+        <p:spPr>
+          <a:xfrm>
+            <a:off x="0" y="8685213"/>
+            <a:ext cx="2971800" cy="458787"/>
+          </a:xfrm>
+          <a:prstGeom prst="rect">
+            <a:avLst/>
+          </a:prstGeom>
+        </p:spPr>
+        <p:txBody>
+          <a:bodyPr vert="horz" lIns="91440" tIns="45720" rIns="91440" bIns="45720" rtlCol="0" anchor="b"/>
+          <a:lstStyle>
+            <a:lvl1pPr algn="l">
+              <a:defRPr sz="1200"/>
+            </a:lvl1pPr>
+          </a:lstStyle>
+          <a:p>
+            <a:endParaRPr lang="en-US"/>
+          </a:p>
+        </p:txBody>
+      </p:sp>
+      <p:sp>
+        <p:nvSpPr>
+          <p:cNvPr id="5" name="Slide Number Placeholder 4"/>
+          <p:cNvSpPr>
+            <a:spLocks noGrp="1"/>
+          </p:cNvSpPr>
+          <p:nvPr>
+            <p:ph type="sldNum" sz="quarter" idx="3"/>
+          </p:nvPr>
+        </p:nvSpPr>
+        <p:spPr>
+          <a:xfrm>
+            <a:off x="3884613" y="8685213"/>
+            <a:ext cx="2971800" cy="458787"/>
+          </a:xfrm>
+          <a:prstGeom prst="rect">
+            <a:avLst/>
+          </a:prstGeom>
+        </p:spPr>
+        <p:txBody>
+          <a:bodyPr vert="horz" lIns="91440" tIns="45720" rIns="91440" bIns="45720" rtlCol="0" anchor="b"/>
+          <a:lstStyle>
+            <a:lvl1pPr algn="r">
+              <a:defRPr sz="1200"/>
+            </a:lvl1pPr>
+          </a:lstStyle>
+          <a:p>
+            <a:fld id="{50305E07-67EA-4042-A3F6-853A8AD8D209}" type="slidenum">
+              <a:rPr lang="en-US" smtClean="0"/>
+            </a:fld>
+            <a:endParaRPr lang="en-US"/>
+          </a:p>
+        </p:txBody>
+      </p:sp>
+    </p:spTree>
+  </p:cSld>
+  <p:clrMap bg1="lt1" tx1="dk1" bg2="lt2" tx2="dk2" accent1="accent1" accent2="accent2" accent3="accent3" accent4="accent4" accent5="accent5" accent6="accent6" hlink="hlink" folHlink="folHlink"/>
+</p:handoutMaster>
+</file>
+
+<file path=ppt/notesMasters/notesMaster1.xml><?xml version="1.0" encoding="utf-8"?>
+<p:notesMaster xmlns:a="http://schemas.openxmlformats.org/drawingml/2006/main" xmlns:r="http://schemas.openxmlformats.org/officeDocument/2006/relationships" xmlns:p="http://schemas.openxmlformats.org/presentationml/2006/main">
+  <p:cSld>
+    <p:bg>
+      <p:bgRef idx="1001">
+        <a:schemeClr val="bg1"/>
+      </p:bgRef>
+    </p:bg>
+    <p:spTree>
+      <p:nvGrpSpPr>
+        <p:cNvPr id="1" name=""/>
+        <p:cNvGrpSpPr/>
+        <p:nvPr/>
+      </p:nvGrpSpPr>
+      <p:grpSpPr>
+        <a:xfrm>
+          <a:off x="0" y="0"/>
+          <a:ext cx="0" cy="0"/>
+          <a:chOff x="0" y="0"/>
+          <a:chExt cx="0" cy="0"/>
+        </a:xfrm>
+      </p:grpSpPr>
+      <p:sp>
+        <p:nvSpPr>
+          <p:cNvPr id="2" name="Header Placeholder 1"/>
+          <p:cNvSpPr>
+            <a:spLocks noGrp="1"/>
+          </p:cNvSpPr>
+          <p:nvPr>
+            <p:ph type="hdr" sz="quarter"/>
+          </p:nvPr>
+        </p:nvSpPr>
+        <p:spPr>
+          <a:xfrm>
+            <a:off x="0" y="0"/>
+            <a:ext cx="2971800" cy="458788"/>
+          </a:xfrm>
+          <a:prstGeom prst="rect">
+            <a:avLst/>
+          </a:prstGeom>
+        </p:spPr>
+        <p:txBody>
+          <a:bodyPr vert="horz" lIns="91440" tIns="45720" rIns="91440" bIns="45720" rtlCol="0"/>
+          <a:lstStyle>
+            <a:lvl1pPr algn="l">
+              <a:defRPr sz="1200"/>
+            </a:lvl1pPr>
+          </a:lstStyle>
+          <a:p>
+            <a:endParaRPr lang="en-US"/>
+          </a:p>
+        </p:txBody>
+      </p:sp>
+      <p:sp>
+        <p:nvSpPr>
+          <p:cNvPr id="3" name="Date Placeholder 2"/>
+          <p:cNvSpPr>
+            <a:spLocks noGrp="1"/>
+          </p:cNvSpPr>
+          <p:nvPr>
+            <p:ph type="dt" idx="1"/>
+          </p:nvPr>
+        </p:nvSpPr>
+        <p:spPr>
+          <a:xfrm>
+            <a:off x="3884613" y="0"/>
+            <a:ext cx="2971800" cy="458788"/>
+          </a:xfrm>
+          <a:prstGeom prst="rect">
+            <a:avLst/>
+          </a:prstGeom>
+        </p:spPr>
+        <p:txBody>
+          <a:bodyPr vert="horz" lIns="91440" tIns="45720" rIns="91440" bIns="45720" rtlCol="0"/>
+          <a:lstStyle>
+            <a:lvl1pPr algn="r">
+              <a:defRPr sz="1200"/>
+            </a:lvl1pPr>
+          </a:lstStyle>
+          <a:p>
+            <a:fld id="{3EFD42F7-718C-4B98-AAEC-167E6DDD60A7}" type="datetimeFigureOut">
+              <a:rPr lang="en-US" smtClean="0"/>
+            </a:fld>
+            <a:endParaRPr lang="en-US"/>
+          </a:p>
+        </p:txBody>
+      </p:sp>
+      <p:sp>
+        <p:nvSpPr>
+          <p:cNvPr id="4" name="Slide Image Placeholder 3"/>
+          <p:cNvSpPr>
+            <a:spLocks noGrp="1" noRot="1" noChangeAspect="1"/>
+          </p:cNvSpPr>
+          <p:nvPr>
+            <p:ph type="sldImg" idx="2"/>
+          </p:nvPr>
+        </p:nvSpPr>
+        <p:spPr>
+          <a:xfrm>
+            <a:off x="685800" y="1143000"/>
+            <a:ext cx="5486400" cy="3086100"/>
+          </a:xfrm>
+          <a:prstGeom prst="rect">
+            <a:avLst/>
+          </a:prstGeom>
+          <a:noFill/>
+          <a:ln w="12700">
+            <a:solidFill>
+              <a:prstClr val="black"/>
+            </a:solidFill>
+          </a:ln>
+        </p:spPr>
+        <p:txBody>
+          <a:bodyPr vert="horz" lIns="91440" tIns="45720" rIns="91440" bIns="45720" rtlCol="0" anchor="ctr"/>
+          <a:lstStyle/>
+          <a:p>
+            <a:endParaRPr lang="en-US"/>
+          </a:p>
+        </p:txBody>
+      </p:sp>
+      <p:sp>
+        <p:nvSpPr>
+          <p:cNvPr id="5" name="Notes Placeholder 4"/>
+          <p:cNvSpPr>
+            <a:spLocks noGrp="1"/>
+          </p:cNvSpPr>
+          <p:nvPr>
+            <p:ph type="body" sz="quarter" idx="3"/>
+          </p:nvPr>
+        </p:nvSpPr>
+        <p:spPr>
+          <a:xfrm>
+            <a:off x="685800" y="4400550"/>
+            <a:ext cx="5486400" cy="3600450"/>
+          </a:xfrm>
+          <a:prstGeom prst="rect">
+            <a:avLst/>
+          </a:prstGeom>
+        </p:spPr>
+        <p:txBody>
+          <a:bodyPr vert="horz" lIns="91440" tIns="45720" rIns="91440" bIns="45720" rtlCol="0"/>
+          <a:lstStyle/>
+          <a:p>
+            <a:pPr lvl="0"/>
+            <a:r>
+              <a:rPr lang="en-US" smtClean="0"/>
+              <a:t>Click to edit Master text styles</a:t>
+            </a:r>
+            <a:endParaRPr lang="en-US" smtClean="0"/>
+          </a:p>
+          <a:p>
+            <a:pPr lvl="1"/>
+            <a:r>
+              <a:rPr lang="en-US" smtClean="0"/>
+              <a:t>Second level</a:t>
+            </a:r>
+            <a:endParaRPr lang="en-US" smtClean="0"/>
+          </a:p>
+          <a:p>
+            <a:pPr lvl="2"/>
+            <a:r>
+              <a:rPr lang="en-US" smtClean="0"/>
+              <a:t>Third level</a:t>
+            </a:r>
+            <a:endParaRPr lang="en-US" smtClean="0"/>
+          </a:p>
+          <a:p>
+            <a:pPr lvl="3"/>
+            <a:r>
+              <a:rPr lang="en-US" smtClean="0"/>
+              <a:t>Fourth level</a:t>
+            </a:r>
+            <a:endParaRPr lang="en-US" smtClean="0"/>
+          </a:p>
+          <a:p>
+            <a:pPr lvl="4"/>
+            <a:r>
+              <a:rPr lang="en-US" smtClean="0"/>
+              <a:t>Fifth level</a:t>
+            </a:r>
+            <a:endParaRPr lang="en-US"/>
+          </a:p>
+        </p:txBody>
+      </p:sp>
+      <p:sp>
+        <p:nvSpPr>
+          <p:cNvPr id="6" name="Footer Placeholder 5"/>
+          <p:cNvSpPr>
+            <a:spLocks noGrp="1"/>
+          </p:cNvSpPr>
+          <p:nvPr>
+            <p:ph type="ftr" sz="quarter" idx="4"/>
+          </p:nvPr>
+        </p:nvSpPr>
+        <p:spPr>
+          <a:xfrm>
+            <a:off x="0" y="8685213"/>
+            <a:ext cx="2971800" cy="458787"/>
+          </a:xfrm>
+          <a:prstGeom prst="rect">
+            <a:avLst/>
+          </a:prstGeom>
+        </p:spPr>
+        <p:txBody>
+          <a:bodyPr vert="horz" lIns="91440" tIns="45720" rIns="91440" bIns="45720" rtlCol="0" anchor="b"/>
+          <a:lstStyle>
+            <a:lvl1pPr algn="l">
+              <a:defRPr sz="1200"/>
+            </a:lvl1pPr>
+          </a:lstStyle>
+          <a:p>
+            <a:endParaRPr lang="en-US"/>
+          </a:p>
+        </p:txBody>
+      </p:sp>
+      <p:sp>
+        <p:nvSpPr>
+          <p:cNvPr id="7" name="Slide Number Placeholder 6"/>
+          <p:cNvSpPr>
+            <a:spLocks noGrp="1"/>
+          </p:cNvSpPr>
+          <p:nvPr>
+            <p:ph type="sldNum" sz="quarter" idx="5"/>
+          </p:nvPr>
+        </p:nvSpPr>
+        <p:spPr>
+          <a:xfrm>
+            <a:off x="3884613" y="8685213"/>
+            <a:ext cx="2971800" cy="458787"/>
+          </a:xfrm>
+          <a:prstGeom prst="rect">
+            <a:avLst/>
+          </a:prstGeom>
+        </p:spPr>
+        <p:txBody>
+          <a:bodyPr vert="horz" lIns="91440" tIns="45720" rIns="91440" bIns="45720" rtlCol="0" anchor="b"/>
+          <a:lstStyle>
+            <a:lvl1pPr algn="r">
+              <a:defRPr sz="1200"/>
+            </a:lvl1pPr>
+          </a:lstStyle>
+          <a:p>
+            <a:fld id="{21B2AA4F-B828-4D7C-AFD3-893933DAFCB4}" type="slidenum">
+              <a:rPr lang="en-US" smtClean="0"/>
+            </a:fld>
+            <a:endParaRPr lang="en-US"/>
+          </a:p>
+        </p:txBody>
+      </p:sp>
+    </p:spTree>
+  </p:cSld>
+  <p:clrMap bg1="lt1" tx1="dk1" bg2="lt2" tx2="dk2" accent1="accent1" accent2="accent2" accent3="accent3" accent4="accent4" accent5="accent5" accent6="accent6" hlink="hlink" folHlink="folHlink"/>
+  <p:notesStyle>
+    <a:lvl1pPr marL="0" algn="l" defTabSz="914400" rtl="0" eaLnBrk="1" latinLnBrk="0" hangingPunct="1">
+      <a:defRPr sz="1200" kern="1200">
+        <a:solidFill>
+          <a:schemeClr val="tx1"/>
+        </a:solidFill>
+        <a:latin typeface="+mn-lt"/>
+        <a:ea typeface="+mn-ea"/>
+        <a:cs typeface="+mn-cs"/>
+      </a:defRPr>
+    </a:lvl1pPr>
+    <a:lvl2pPr marL="457200" algn="l" defTabSz="914400" rtl="0" eaLnBrk="1" latinLnBrk="0" hangingPunct="1">
+      <a:defRPr sz="1200" kern="1200">
+        <a:solidFill>
+          <a:schemeClr val="tx1"/>
+        </a:solidFill>
+        <a:latin typeface="+mn-lt"/>
+        <a:ea typeface="+mn-ea"/>
+        <a:cs typeface="+mn-cs"/>
+      </a:defRPr>
+    </a:lvl2pPr>
+    <a:lvl3pPr marL="914400" algn="l" defTabSz="914400" rtl="0" eaLnBrk="1" latinLnBrk="0" hangingPunct="1">
+      <a:defRPr sz="1200" kern="1200">
+        <a:solidFill>
+          <a:schemeClr val="tx1"/>
+        </a:solidFill>
+        <a:latin typeface="+mn-lt"/>
+        <a:ea typeface="+mn-ea"/>
+        <a:cs typeface="+mn-cs"/>
+      </a:defRPr>
+    </a:lvl3pPr>
+    <a:lvl4pPr marL="1371600" algn="l" defTabSz="914400" rtl="0" eaLnBrk="1" latinLnBrk="0" hangingPunct="1">
+      <a:defRPr sz="1200" kern="1200">
+        <a:solidFill>
+          <a:schemeClr val="tx1"/>
+        </a:solidFill>
+        <a:latin typeface="+mn-lt"/>
+        <a:ea typeface="+mn-ea"/>
+        <a:cs typeface="+mn-cs"/>
+      </a:defRPr>
+    </a:lvl4pPr>
+    <a:lvl5pPr marL="1828800" algn="l" defTabSz="914400" rtl="0" eaLnBrk="1" latinLnBrk="0" hangingPunct="1">
+      <a:defRPr sz="1200" kern="1200">
+        <a:solidFill>
+          <a:schemeClr val="tx1"/>
+        </a:solidFill>
+        <a:latin typeface="+mn-lt"/>
+        <a:ea typeface="+mn-ea"/>
+        <a:cs typeface="+mn-cs"/>
+      </a:defRPr>
+    </a:lvl5pPr>
+    <a:lvl6pPr marL="2286000" algn="l" defTabSz="914400" rtl="0" eaLnBrk="1" latinLnBrk="0" hangingPunct="1">
+      <a:defRPr sz="1200" kern="1200">
+        <a:solidFill>
+          <a:schemeClr val="tx1"/>
+        </a:solidFill>
+        <a:latin typeface="+mn-lt"/>
+        <a:ea typeface="+mn-ea"/>
+        <a:cs typeface="+mn-cs"/>
+      </a:defRPr>
+    </a:lvl6pPr>
+    <a:lvl7pPr marL="2743200" algn="l" defTabSz="914400" rtl="0" eaLnBrk="1" latinLnBrk="0" hangingPunct="1">
+      <a:defRPr sz="1200" kern="1200">
+        <a:solidFill>
+          <a:schemeClr val="tx1"/>
+        </a:solidFill>
+        <a:latin typeface="+mn-lt"/>
+        <a:ea typeface="+mn-ea"/>
+        <a:cs typeface="+mn-cs"/>
+      </a:defRPr>
+    </a:lvl7pPr>
+    <a:lvl8pPr marL="3200400" algn="l" defTabSz="914400" rtl="0" eaLnBrk="1" latinLnBrk="0" hangingPunct="1">
+      <a:defRPr sz="1200" kern="1200">
+        <a:solidFill>
+          <a:schemeClr val="tx1"/>
+        </a:solidFill>
+        <a:latin typeface="+mn-lt"/>
+        <a:ea typeface="+mn-ea"/>
+        <a:cs typeface="+mn-cs"/>
+      </a:defRPr>
+    </a:lvl8pPr>
+    <a:lvl9pPr marL="3657600" algn="l" defTabSz="914400" rtl="0" eaLnBrk="1" latinLnBrk="0" hangingPunct="1">
+      <a:defRPr sz="1200" kern="1200">
+        <a:solidFill>
+          <a:schemeClr val="tx1"/>
+        </a:solidFill>
+        <a:latin typeface="+mn-lt"/>
+        <a:ea typeface="+mn-ea"/>
+        <a:cs typeface="+mn-cs"/>
+      </a:defRPr>
+    </a:lvl9pPr>
+  </p:notesStyle>
+</p:notesMaster>
 </file>
 
 <file path=ppt/slideLayouts/slideLayout1.xml><?xml version="1.0" encoding="utf-8"?>
@@ -2916,14 +3429,7 @@
         <p:cNvGrpSpPr/>
         <p:nvPr/>
       </p:nvGrpSpPr>
-      <p:grpSpPr>
-        <a:xfrm>
-          <a:off x="0" y="0"/>
-          <a:ext cx="0" cy="0"/>
-          <a:chOff x="0" y="0"/>
-          <a:chExt cx="0" cy="0"/>
-        </a:xfrm>
-      </p:grpSpPr>
+      <p:grpSpPr/>
       <p:sp>
         <p:nvSpPr>
           <p:cNvPr id="2" name="Title 1"/>
@@ -2931,33 +3437,144 @@
             <a:spLocks noGrp="1"/>
           </p:cNvSpPr>
           <p:nvPr>
-            <p:ph type="ctrTitle"/>
+            <p:ph type="title"/>
           </p:nvPr>
         </p:nvSpPr>
         <p:spPr/>
         <p:txBody>
-          <a:bodyPr/>
-          <a:lstStyle/>
-          <a:p>
-            <a:endParaRPr lang="en-US" dirty="0"/>
-          </a:p>
-        </p:txBody>
-      </p:sp>
-      <p:sp>
-        <p:nvSpPr>
-          <p:cNvPr id="3" name="Subtitle 2"/>
-          <p:cNvSpPr>
-            <a:spLocks noGrp="1"/>
-          </p:cNvSpPr>
-          <p:nvPr>
-            <p:ph type="subTitle" idx="1"/>
+          <a:bodyPr>
+            <a:normAutofit/>
+          </a:bodyPr>
+          <a:p>
+            <a:r>
+              <a:rPr lang="en-US"/>
+              <a:t>The Problem:</a:t>
+            </a:r>
+            <a:endParaRPr lang="en-US"/>
+          </a:p>
+        </p:txBody>
+      </p:sp>
+      <p:sp>
+        <p:nvSpPr>
+          <p:cNvPr id="3" name="Content Placeholder 2"/>
+          <p:cNvSpPr>
+            <a:spLocks noGrp="1"/>
+          </p:cNvSpPr>
+          <p:nvPr>
+            <p:ph idx="1"/>
           </p:nvPr>
         </p:nvSpPr>
         <p:spPr/>
         <p:txBody>
-          <a:bodyPr/>
-          <a:lstStyle/>
-          <a:p>
+          <a:bodyPr>
+            <a:normAutofit lnSpcReduction="10000"/>
+          </a:bodyPr>
+          <a:p>
+            <a:r>
+              <a:rPr lang="en-US"/>
+              <a:t>1. What's the background and scope of the project idea?</a:t>
+            </a:r>
+            <a:endParaRPr lang="en-US"/>
+          </a:p>
+          <a:p>
+            <a:r>
+              <a:rPr lang="en-US" baseline="30000"/>
+              <a:t>To optimize the profit of the company from sales, the manager is trying to find out who is the best salesperson according to difference, product group and variety of the products and  set strategy for each of the sales person in the coming quarter.</a:t>
+            </a:r>
+            <a:endParaRPr lang="en-US" baseline="30000"/>
+          </a:p>
+          <a:p>
+            <a:endParaRPr lang="en-US"/>
+          </a:p>
+          <a:p>
+            <a:r>
+              <a:rPr lang="en-US"/>
+              <a:t>2. What problem are you attempting to address or solve?</a:t>
+            </a:r>
+            <a:endParaRPr lang="en-US"/>
+          </a:p>
+          <a:p>
+            <a:r>
+              <a:rPr lang="en-US" baseline="30000"/>
+              <a:t>In the coming quarter, we have to find out the strategy for each of the sales person to focus on which customer and pushing what product to optimize the sales.</a:t>
+            </a:r>
+            <a:endParaRPr lang="en-US" baseline="30000"/>
+          </a:p>
+          <a:p>
+            <a:endParaRPr lang="en-US"/>
+          </a:p>
+          <a:p>
+            <a:r>
+              <a:rPr lang="en-US"/>
+              <a:t>3. Who may it matter to?</a:t>
+            </a:r>
+            <a:endParaRPr lang="en-US"/>
+          </a:p>
+          <a:p>
+            <a:r>
+              <a:rPr lang="en-US" baseline="30000"/>
+              <a:t>The company, the sales manager, individual sales person, and also the customers.</a:t>
+            </a:r>
+            <a:endParaRPr lang="en-US" baseline="30000"/>
+          </a:p>
+        </p:txBody>
+      </p:sp>
+      <p:sp>
+        <p:nvSpPr>
+          <p:cNvPr id="4" name="Text Box 3"/>
+          <p:cNvSpPr txBox="1"/>
+          <p:nvPr/>
+        </p:nvSpPr>
+        <p:spPr>
+          <a:xfrm>
+            <a:off x="6382385" y="365125"/>
+            <a:ext cx="4971415" cy="368300"/>
+          </a:xfrm>
+          <a:prstGeom prst="rect">
+            <a:avLst/>
+          </a:prstGeom>
+          <a:noFill/>
+        </p:spPr>
+        <p:txBody>
+          <a:bodyPr wrap="square" rtlCol="0">
+            <a:spAutoFit/>
+          </a:bodyPr>
+          <a:p>
+            <a:pPr algn="r"/>
+            <a:r>
+              <a:rPr lang="en-US"/>
+              <a:t>Optimize Sales by Product Group By Sales Person</a:t>
+            </a:r>
+            <a:endParaRPr lang="en-US"/>
+          </a:p>
+        </p:txBody>
+      </p:sp>
+      <p:sp>
+        <p:nvSpPr>
+          <p:cNvPr id="6" name="Text Box 5"/>
+          <p:cNvSpPr txBox="1"/>
+          <p:nvPr/>
+        </p:nvSpPr>
+        <p:spPr>
+          <a:xfrm>
+            <a:off x="6382385" y="6222365"/>
+            <a:ext cx="4971415" cy="368300"/>
+          </a:xfrm>
+          <a:prstGeom prst="rect">
+            <a:avLst/>
+          </a:prstGeom>
+          <a:noFill/>
+        </p:spPr>
+        <p:txBody>
+          <a:bodyPr wrap="square" rtlCol="0">
+            <a:spAutoFit/>
+          </a:bodyPr>
+          <a:p>
+            <a:pPr algn="r"/>
+            <a:r>
+              <a:rPr lang="en-US"/>
+              <a:t>Eins, Zhiyin Zhao</a:t>
+            </a:r>
             <a:endParaRPr lang="en-US"/>
           </a:p>
         </p:txBody>
@@ -2992,61 +3609,187 @@
         </p:nvSpPr>
         <p:spPr/>
         <p:txBody>
+          <a:bodyPr/>
+          <a:p>
+            <a:r>
+              <a:rPr lang="en-US"/>
+              <a:t>The Data:</a:t>
+            </a:r>
+            <a:endParaRPr lang="en-US"/>
+          </a:p>
+        </p:txBody>
+      </p:sp>
+      <p:sp>
+        <p:nvSpPr>
+          <p:cNvPr id="3" name="Content Placeholder 2"/>
+          <p:cNvSpPr>
+            <a:spLocks noGrp="1"/>
+          </p:cNvSpPr>
+          <p:nvPr>
+            <p:ph idx="1"/>
+          </p:nvPr>
+        </p:nvSpPr>
+        <p:spPr>
+          <a:xfrm>
+            <a:off x="838200" y="1321435"/>
+            <a:ext cx="10515600" cy="5269230"/>
+          </a:xfrm>
+        </p:spPr>
+        <p:txBody>
           <a:bodyPr>
-            <a:normAutofit/>
+            <a:normAutofit fontScale="90000"/>
           </a:bodyPr>
           <a:p>
             <a:r>
               <a:rPr lang="en-US"/>
-              <a:t>The Problem:</a:t>
-            </a:r>
-            <a:endParaRPr lang="en-US"/>
-          </a:p>
-        </p:txBody>
-      </p:sp>
-      <p:sp>
-        <p:nvSpPr>
-          <p:cNvPr id="3" name="Content Placeholder 2"/>
-          <p:cNvSpPr>
-            <a:spLocks noGrp="1"/>
-          </p:cNvSpPr>
-          <p:nvPr>
-            <p:ph idx="1"/>
-          </p:nvPr>
-        </p:nvSpPr>
-        <p:spPr/>
-        <p:txBody>
-          <a:bodyPr>
-            <a:normAutofit lnSpcReduction="10000"/>
+              <a:t>1. What data exists to help solve this problem?</a:t>
+            </a:r>
+            <a:endParaRPr lang="en-US"/>
+          </a:p>
+          <a:p>
+            <a:r>
+              <a:rPr lang="en-US" sz="3200" baseline="30000"/>
+              <a:t>The dataset which contain total sales by invoice, invoice time, salesmen, product ID </a:t>
+            </a:r>
+            <a:r>
+              <a:rPr lang="en-US" sz="3200" baseline="30000">
+                <a:sym typeface="+mn-ea"/>
+              </a:rPr>
+              <a:t>and quantity, </a:t>
+            </a:r>
+            <a:r>
+              <a:rPr lang="en-US" sz="3200" baseline="30000"/>
+              <a:t>product group and </a:t>
+            </a:r>
+            <a:r>
+              <a:rPr lang="en-US" sz="3200" baseline="30000">
+                <a:sym typeface="+mn-ea"/>
+              </a:rPr>
+              <a:t>commission level,</a:t>
+            </a:r>
+            <a:r>
+              <a:rPr lang="en-US" sz="3200" baseline="30000"/>
+              <a:t> product list price and cost,  and quantity are related to this study.</a:t>
+            </a:r>
+            <a:endParaRPr lang="en-US" sz="3200" baseline="30000"/>
+          </a:p>
+          <a:p>
+            <a:r>
+              <a:rPr lang="en-US"/>
+              <a:t>2. Where is it coming from?</a:t>
+            </a:r>
+            <a:endParaRPr lang="en-US"/>
+          </a:p>
+          <a:p>
+            <a:r>
+              <a:rPr lang="en-US" baseline="30000">
+                <a:sym typeface="+mn-ea"/>
+              </a:rPr>
+              <a:t>he company's ERP system is running day to day life data. The historical data is the best resource to this study.</a:t>
+            </a:r>
+            <a:endParaRPr lang="en-US" baseline="30000">
+              <a:sym typeface="+mn-ea"/>
+            </a:endParaRPr>
+          </a:p>
+          <a:p>
+            <a:r>
+              <a:rPr lang="en-US"/>
+              <a:t>3. What does the data look like?</a:t>
+            </a:r>
+            <a:endParaRPr lang="en-US"/>
+          </a:p>
+          <a:p>
+            <a:r>
+              <a:rPr lang="en-US" baseline="30000"/>
+              <a:t>The ERP system is limited the data into certain data type. Zero, N/A and other error data to this study is almost not able to exists. Most of the data is create by the sales transaction(e.g. invoice sales total) and generate by initial data(e.g. list price). The dataset should be clean and less error. It is more easy to sort the data by invoice time.</a:t>
+            </a:r>
+            <a:endParaRPr lang="en-US" baseline="30000"/>
+          </a:p>
+          <a:p>
+            <a:r>
+              <a:rPr lang="en-US"/>
+              <a:t>4. What is the observation?</a:t>
+            </a:r>
+            <a:endParaRPr lang="en-US"/>
+          </a:p>
+          <a:p>
+            <a:r>
+              <a:rPr lang="en-US" baseline="30000"/>
+              <a:t>I found that there are more than 5000 difference and group by 6 difference product group (one of the group is undefined).</a:t>
+            </a:r>
+            <a:endParaRPr lang="en-US" baseline="30000"/>
+          </a:p>
+          <a:p>
+            <a:r>
+              <a:rPr lang="en-US" baseline="30000"/>
+              <a:t>Sales person is willing sales the product with higher commission level which is decided by the product group.</a:t>
+            </a:r>
+            <a:endParaRPr lang="en-US" baseline="30000"/>
+          </a:p>
+          <a:p>
+            <a:r>
+              <a:rPr lang="en-US" baseline="30000"/>
+              <a:t>The invoice amount of the customer who is buying comprehensive products may higher than who is buying concentrate in few products.</a:t>
+            </a:r>
+            <a:endParaRPr lang="en-US" baseline="30000"/>
+          </a:p>
+        </p:txBody>
+      </p:sp>
+      <p:sp>
+        <p:nvSpPr>
+          <p:cNvPr id="4" name="Text Box 3"/>
+          <p:cNvSpPr txBox="1"/>
+          <p:nvPr/>
+        </p:nvSpPr>
+        <p:spPr>
+          <a:xfrm>
+            <a:off x="6382385" y="365125"/>
+            <a:ext cx="4971415" cy="368300"/>
+          </a:xfrm>
+          <a:prstGeom prst="rect">
+            <a:avLst/>
+          </a:prstGeom>
+          <a:noFill/>
+        </p:spPr>
+        <p:txBody>
+          <a:bodyPr wrap="square" rtlCol="0">
+            <a:spAutoFit/>
           </a:bodyPr>
           <a:p>
+            <a:pPr algn="r"/>
             <a:r>
               <a:rPr lang="en-US"/>
-              <a:t>1. What's the background and scope of the project idea?</a:t>
-            </a:r>
-            <a:endParaRPr lang="en-US"/>
-          </a:p>
-          <a:p>
-            <a:r>
-              <a:rPr lang="en-US" baseline="30000"/>
-              <a:t>Music and songs are one of the comment language in the world.There is a data set of the lyrice for 57650 songs, it can be used for natural language processing purposes, such as clustering of the words with similar meanings or predicting artist by the song. The dataset can be expanded with some more features for more advanced research like sentiment analysis.</a:t>
-            </a:r>
-            <a:endParaRPr lang="en-US" baseline="30000"/>
-          </a:p>
-          <a:p>
+              <a:t>Optimize Sales by Product Group By Sales Person</a:t>
+            </a:r>
+            <a:endParaRPr lang="en-US"/>
+          </a:p>
+        </p:txBody>
+      </p:sp>
+      <p:sp>
+        <p:nvSpPr>
+          <p:cNvPr id="5" name="Text Box 4"/>
+          <p:cNvSpPr txBox="1"/>
+          <p:nvPr/>
+        </p:nvSpPr>
+        <p:spPr>
+          <a:xfrm>
+            <a:off x="6382385" y="6222365"/>
+            <a:ext cx="4971415" cy="368300"/>
+          </a:xfrm>
+          <a:prstGeom prst="rect">
+            <a:avLst/>
+          </a:prstGeom>
+          <a:noFill/>
+        </p:spPr>
+        <p:txBody>
+          <a:bodyPr wrap="square" rtlCol="0">
+            <a:spAutoFit/>
+          </a:bodyPr>
+          <a:p>
+            <a:pPr algn="r"/>
             <a:r>
               <a:rPr lang="en-US"/>
-              <a:t>2. What problem are you attempting to address or solve?</a:t>
-            </a:r>
-            <a:endParaRPr lang="en-US"/>
-          </a:p>
-          <a:p>
-            <a:endParaRPr lang="en-US"/>
-          </a:p>
-          <a:p>
-            <a:r>
-              <a:rPr lang="en-US"/>
-              <a:t>3. Who may it matter to?</a:t>
+              <a:t>Eins, Zhiyin Zhao</a:t>
             </a:r>
             <a:endParaRPr lang="en-US"/>
           </a:p>
@@ -3080,95 +3823,163 @@
             <p:ph type="title"/>
           </p:nvPr>
         </p:nvSpPr>
+        <p:spPr>
+          <a:xfrm>
+            <a:off x="838200" y="374015"/>
+            <a:ext cx="10515600" cy="1325563"/>
+          </a:xfrm>
+        </p:spPr>
+        <p:txBody>
+          <a:bodyPr/>
+          <a:p>
+            <a:r>
+              <a:rPr lang="en-US"/>
+              <a:t>Your Hypotheses:</a:t>
+            </a:r>
+            <a:endParaRPr lang="en-US"/>
+          </a:p>
+        </p:txBody>
+      </p:sp>
+      <p:sp>
+        <p:nvSpPr>
+          <p:cNvPr id="3" name="Content Placeholder 2"/>
+          <p:cNvSpPr>
+            <a:spLocks noGrp="1"/>
+          </p:cNvSpPr>
+          <p:nvPr>
+            <p:ph idx="1"/>
+          </p:nvPr>
+        </p:nvSpPr>
         <p:spPr/>
         <p:txBody>
-          <a:bodyPr/>
+          <a:bodyPr>
+            <a:normAutofit lnSpcReduction="10000"/>
+          </a:bodyPr>
           <a:p>
             <a:r>
               <a:rPr lang="en-US"/>
-              <a:t>The Data:</a:t>
-            </a:r>
-            <a:endParaRPr lang="en-US"/>
-          </a:p>
-        </p:txBody>
-      </p:sp>
-      <p:sp>
-        <p:nvSpPr>
-          <p:cNvPr id="3" name="Content Placeholder 2"/>
-          <p:cNvSpPr>
-            <a:spLocks noGrp="1"/>
-          </p:cNvSpPr>
-          <p:nvPr>
-            <p:ph idx="1"/>
-          </p:nvPr>
-        </p:nvSpPr>
-        <p:spPr/>
-        <p:txBody>
-          <a:bodyPr>
-            <a:normAutofit lnSpcReduction="20000"/>
+              <a:t>1.Given the problem and data you're aware of what do you believe is the solution?</a:t>
+            </a:r>
+            <a:endParaRPr lang="en-US"/>
+          </a:p>
+          <a:p>
+            <a:r>
+              <a:rPr lang="en-US" baseline="30000">
+                <a:sym typeface="+mn-ea"/>
+              </a:rPr>
+              <a:t>The product which assigned to a product group is sold more than which is not assigned.</a:t>
+            </a:r>
+            <a:endParaRPr lang="en-US" baseline="30000">
+              <a:sym typeface="+mn-ea"/>
+            </a:endParaRPr>
+          </a:p>
+          <a:p>
+            <a:r>
+              <a:rPr lang="en-US" baseline="30000">
+                <a:sym typeface="+mn-ea"/>
+              </a:rPr>
+              <a:t>The highest invoice total sales is not as same as the highest the invoice gross profit. </a:t>
+            </a:r>
+            <a:endParaRPr lang="en-US" baseline="30000">
+              <a:sym typeface="+mn-ea"/>
+            </a:endParaRPr>
+          </a:p>
+          <a:p>
+            <a:r>
+              <a:rPr lang="en-US" baseline="30000">
+                <a:sym typeface="+mn-ea"/>
+              </a:rPr>
+              <a:t>The product with higher commission level may not sales as many as the one with lower commission level on the invoice. </a:t>
+            </a:r>
+            <a:endParaRPr lang="en-US" baseline="30000">
+              <a:sym typeface="+mn-ea"/>
+            </a:endParaRPr>
+          </a:p>
+          <a:p>
+            <a:r>
+              <a:rPr lang="en-US" baseline="30000">
+                <a:sym typeface="+mn-ea"/>
+              </a:rPr>
+              <a:t>The invoice amount of the customer who is buying comprehensive products is higher than who is buying concentrate in few products.</a:t>
+            </a:r>
+            <a:endParaRPr lang="en-US" baseline="30000"/>
+          </a:p>
+          <a:p>
+            <a:endParaRPr lang="en-US" baseline="30000"/>
+          </a:p>
+          <a:p>
+            <a:r>
+              <a:rPr lang="en-US"/>
+              <a:t>2.What does success look like?</a:t>
+            </a:r>
+            <a:endParaRPr lang="en-US"/>
+          </a:p>
+          <a:p>
+            <a:r>
+              <a:rPr lang="en-US" baseline="30000"/>
+              <a:t>It is able to determine the sales strategy for the each of the sales person. To determine which of the product group the sales person should focus. Also, to know which customer has the potential growth of sales.</a:t>
+            </a:r>
+            <a:endParaRPr lang="en-US" baseline="30000"/>
+          </a:p>
+        </p:txBody>
+      </p:sp>
+      <p:sp>
+        <p:nvSpPr>
+          <p:cNvPr id="4" name="Text Box 3"/>
+          <p:cNvSpPr txBox="1"/>
+          <p:nvPr/>
+        </p:nvSpPr>
+        <p:spPr>
+          <a:xfrm>
+            <a:off x="6382385" y="365125"/>
+            <a:ext cx="4971415" cy="368300"/>
+          </a:xfrm>
+          <a:prstGeom prst="rect">
+            <a:avLst/>
+          </a:prstGeom>
+          <a:noFill/>
+        </p:spPr>
+        <p:txBody>
+          <a:bodyPr wrap="square" rtlCol="0">
+            <a:spAutoFit/>
           </a:bodyPr>
           <a:p>
+            <a:pPr algn="r"/>
             <a:r>
               <a:rPr lang="en-US"/>
-              <a:t>1. What data exists to help solve this problem?</a:t>
-            </a:r>
-            <a:endParaRPr lang="en-US"/>
-          </a:p>
-          <a:p>
-            <a:r>
-              <a:rPr lang="en-US" baseline="30000"/>
-              <a:t>There is the dataset of the lyrice for 57650 songs. The dataset contains 4 columns which are artist, song name, Link, and lyrics. The dataset can be expanded with some more features for more advanced research like sentiment analysis.</a:t>
-            </a:r>
-            <a:endParaRPr lang="en-US" baseline="30000"/>
-          </a:p>
-          <a:p>
+              <a:t>Optimize Sales by Product Group By Sales Person</a:t>
+            </a:r>
+            <a:endParaRPr lang="en-US"/>
+          </a:p>
+        </p:txBody>
+      </p:sp>
+      <p:sp>
+        <p:nvSpPr>
+          <p:cNvPr id="5" name="Text Box 4"/>
+          <p:cNvSpPr txBox="1"/>
+          <p:nvPr/>
+        </p:nvSpPr>
+        <p:spPr>
+          <a:xfrm>
+            <a:off x="6382385" y="6222365"/>
+            <a:ext cx="4971415" cy="368300"/>
+          </a:xfrm>
+          <a:prstGeom prst="rect">
+            <a:avLst/>
+          </a:prstGeom>
+          <a:noFill/>
+        </p:spPr>
+        <p:txBody>
+          <a:bodyPr wrap="square" rtlCol="0">
+            <a:spAutoFit/>
+          </a:bodyPr>
+          <a:p>
+            <a:pPr algn="r"/>
             <a:r>
               <a:rPr lang="en-US"/>
-              <a:t>2. Where is it coming from?</a:t>
-            </a:r>
-            <a:endParaRPr lang="en-US"/>
-          </a:p>
-          <a:p>
-            <a:r>
-              <a:rPr lang="en-US" baseline="30000"/>
-              <a:t>The dataset is come from LyricsFreak, which is the direct source of the data. http://www.lyricsfreak.com/</a:t>
-            </a:r>
-            <a:endParaRPr lang="en-US" baseline="30000"/>
-          </a:p>
-          <a:p>
-            <a:r>
-              <a:rPr lang="en-US" baseline="30000"/>
-              <a:t>I also found it form Kaggle. https://www.kaggle.com/mousehead/songlyrics</a:t>
-            </a:r>
-            <a:endParaRPr lang="en-US" baseline="30000"/>
-          </a:p>
-          <a:p>
-            <a:r>
-              <a:rPr lang="en-US"/>
-              <a:t>3. What does the data look like?</a:t>
-            </a:r>
-            <a:endParaRPr lang="en-US"/>
-          </a:p>
-          <a:p>
-            <a:r>
-              <a:rPr lang="en-US" baseline="30000"/>
-              <a:t>The dataset is contains 4 columns which are artist, song name, link, and lyrics. It is also contains 643 artist and 57650 songs.</a:t>
-            </a:r>
-            <a:endParaRPr lang="en-US" baseline="30000"/>
-          </a:p>
-          <a:p>
-            <a:r>
-              <a:rPr lang="en-US"/>
-              <a:t>What is the observation?</a:t>
-            </a:r>
-            <a:endParaRPr lang="en-US"/>
-          </a:p>
-          <a:p>
-            <a:r>
-              <a:rPr lang="en-US" baseline="30000"/>
-              <a:t>No missing values,no duplicated data found on this dataset.</a:t>
-            </a:r>
-            <a:endParaRPr lang="en-US" baseline="30000"/>
+              <a:t>Eins, Zhiyin Zhao</a:t>
+            </a:r>
+            <a:endParaRPr lang="en-US"/>
           </a:p>
         </p:txBody>
       </p:sp>
@@ -3200,6 +4011,416 @@
             <p:ph type="title"/>
           </p:nvPr>
         </p:nvSpPr>
+        <p:spPr/>
+        <p:txBody>
+          <a:bodyPr>
+            <a:normAutofit/>
+          </a:bodyPr>
+          <a:p>
+            <a:r>
+              <a:rPr lang="en-US"/>
+              <a:t>The Problem:</a:t>
+            </a:r>
+            <a:endParaRPr lang="en-US"/>
+          </a:p>
+        </p:txBody>
+      </p:sp>
+      <p:sp>
+        <p:nvSpPr>
+          <p:cNvPr id="3" name="Content Placeholder 2"/>
+          <p:cNvSpPr>
+            <a:spLocks noGrp="1"/>
+          </p:cNvSpPr>
+          <p:nvPr>
+            <p:ph idx="1"/>
+          </p:nvPr>
+        </p:nvSpPr>
+        <p:spPr/>
+        <p:txBody>
+          <a:bodyPr>
+            <a:normAutofit lnSpcReduction="20000"/>
+          </a:bodyPr>
+          <a:p>
+            <a:r>
+              <a:rPr lang="en-US"/>
+              <a:t>1. What's the background and scope of the project idea?</a:t>
+            </a:r>
+            <a:endParaRPr lang="en-US"/>
+          </a:p>
+          <a:p>
+            <a:r>
+              <a:rPr lang="en-US" baseline="30000"/>
+              <a:t>According to the data from 2014, every 1000 American own almost 800 automobile. It is easy to own a car in America. Buying a car is matter to almost everyone. How much is the car, what model, manufacture, engine type, style, mpg and there are so many attribute are making the price different. This study is trying to find out how difference attributes determine the price of the car and is it optimize fit to the to the market value. Also, this study is contains the risk factor. The insurance payment can be predict by difference attributes.</a:t>
+            </a:r>
+            <a:endParaRPr lang="en-US"/>
+          </a:p>
+          <a:p>
+            <a:r>
+              <a:rPr lang="en-US"/>
+              <a:t>2. What problem are you attempting to address or solve?</a:t>
+            </a:r>
+            <a:endParaRPr lang="en-US"/>
+          </a:p>
+          <a:p>
+            <a:r>
+              <a:rPr lang="en-US" baseline="30000"/>
+              <a:t>How difference attributes determine the price of the car. </a:t>
+            </a:r>
+            <a:endParaRPr lang="en-US" baseline="30000"/>
+          </a:p>
+          <a:p>
+            <a:r>
+              <a:rPr lang="en-US" baseline="30000"/>
+              <a:t>To predict the insurance payment by difference attributes.</a:t>
+            </a:r>
+            <a:endParaRPr lang="en-US" baseline="30000"/>
+          </a:p>
+          <a:p>
+            <a:endParaRPr lang="en-US"/>
+          </a:p>
+          <a:p>
+            <a:r>
+              <a:rPr lang="en-US"/>
+              <a:t>3. Who may it matter to?</a:t>
+            </a:r>
+            <a:endParaRPr lang="en-US"/>
+          </a:p>
+          <a:p>
+            <a:r>
+              <a:rPr lang="en-US" baseline="30000"/>
+              <a:t>Manufacture, seller, buyer and insurance company.</a:t>
+            </a:r>
+            <a:endParaRPr lang="en-US" baseline="30000"/>
+          </a:p>
+        </p:txBody>
+      </p:sp>
+      <p:sp>
+        <p:nvSpPr>
+          <p:cNvPr id="4" name="Text Box 3"/>
+          <p:cNvSpPr txBox="1"/>
+          <p:nvPr/>
+        </p:nvSpPr>
+        <p:spPr>
+          <a:xfrm>
+            <a:off x="6382385" y="365125"/>
+            <a:ext cx="4971415" cy="368300"/>
+          </a:xfrm>
+          <a:prstGeom prst="rect">
+            <a:avLst/>
+          </a:prstGeom>
+          <a:noFill/>
+        </p:spPr>
+        <p:txBody>
+          <a:bodyPr wrap="square" rtlCol="0">
+            <a:spAutoFit/>
+          </a:bodyPr>
+          <a:p>
+            <a:pPr algn="r"/>
+            <a:r>
+              <a:rPr lang="en-US"/>
+              <a:t>Automobile Data</a:t>
+            </a:r>
+            <a:endParaRPr lang="en-US"/>
+          </a:p>
+        </p:txBody>
+      </p:sp>
+      <p:sp>
+        <p:nvSpPr>
+          <p:cNvPr id="5" name="Text Box 4"/>
+          <p:cNvSpPr txBox="1"/>
+          <p:nvPr/>
+        </p:nvSpPr>
+        <p:spPr>
+          <a:xfrm>
+            <a:off x="6382385" y="6222365"/>
+            <a:ext cx="4971415" cy="368300"/>
+          </a:xfrm>
+          <a:prstGeom prst="rect">
+            <a:avLst/>
+          </a:prstGeom>
+          <a:noFill/>
+        </p:spPr>
+        <p:txBody>
+          <a:bodyPr wrap="square" rtlCol="0">
+            <a:spAutoFit/>
+          </a:bodyPr>
+          <a:p>
+            <a:pPr algn="r"/>
+            <a:r>
+              <a:rPr lang="en-US"/>
+              <a:t>Eins, Zhiyin Zhao</a:t>
+            </a:r>
+            <a:endParaRPr lang="en-US"/>
+          </a:p>
+        </p:txBody>
+      </p:sp>
+    </p:spTree>
+  </p:cSld>
+  <p:clrMapOvr>
+    <a:masterClrMapping/>
+  </p:clrMapOvr>
+</p:sld>
+</file>
+
+<file path=ppt/slides/slide5.xml><?xml version="1.0" encoding="utf-8"?>
+<p:sld xmlns:a="http://schemas.openxmlformats.org/drawingml/2006/main" xmlns:r="http://schemas.openxmlformats.org/officeDocument/2006/relationships" xmlns:p="http://schemas.openxmlformats.org/presentationml/2006/main">
+  <p:cSld>
+    <p:spTree>
+      <p:nvGrpSpPr>
+        <p:cNvPr id="1" name=""/>
+        <p:cNvGrpSpPr/>
+        <p:nvPr/>
+      </p:nvGrpSpPr>
+      <p:grpSpPr/>
+      <p:sp>
+        <p:nvSpPr>
+          <p:cNvPr id="2" name="Title 1"/>
+          <p:cNvSpPr>
+            <a:spLocks noGrp="1"/>
+          </p:cNvSpPr>
+          <p:nvPr>
+            <p:ph type="title"/>
+          </p:nvPr>
+        </p:nvSpPr>
+        <p:spPr/>
+        <p:txBody>
+          <a:bodyPr/>
+          <a:p>
+            <a:r>
+              <a:rPr lang="en-US"/>
+              <a:t>The Data:</a:t>
+            </a:r>
+            <a:endParaRPr lang="en-US"/>
+          </a:p>
+        </p:txBody>
+      </p:sp>
+      <p:sp>
+        <p:nvSpPr>
+          <p:cNvPr id="3" name="Content Placeholder 2"/>
+          <p:cNvSpPr>
+            <a:spLocks noGrp="1"/>
+          </p:cNvSpPr>
+          <p:nvPr>
+            <p:ph idx="1"/>
+          </p:nvPr>
+        </p:nvSpPr>
+        <p:spPr>
+          <a:xfrm>
+            <a:off x="838200" y="1222375"/>
+            <a:ext cx="10515600" cy="5128260"/>
+          </a:xfrm>
+        </p:spPr>
+        <p:txBody>
+          <a:bodyPr>
+            <a:normAutofit fontScale="80000"/>
+          </a:bodyPr>
+          <a:p>
+            <a:r>
+              <a:rPr lang="en-US"/>
+              <a:t>1. What data exists to help solve this problem?</a:t>
+            </a:r>
+            <a:endParaRPr lang="en-US"/>
+          </a:p>
+          <a:p>
+            <a:r>
+              <a:rPr lang="en-US" baseline="30000">
+                <a:sym typeface="+mn-ea"/>
+              </a:rPr>
+              <a:t>1) 1985 Model Import Car and Truck Specifications, 1985 Ward's Automotive Yearbook. </a:t>
+            </a:r>
+            <a:endParaRPr lang="en-US" baseline="30000"/>
+          </a:p>
+          <a:p>
+            <a:r>
+              <a:rPr lang="en-US" baseline="30000">
+                <a:sym typeface="+mn-ea"/>
+              </a:rPr>
+              <a:t>2) Personal Auto Manuals, Insurance Services Office, 160 Water Street, New York, NY 10038 </a:t>
+            </a:r>
+            <a:endParaRPr lang="en-US" baseline="30000"/>
+          </a:p>
+          <a:p>
+            <a:r>
+              <a:rPr lang="en-US" baseline="30000">
+                <a:sym typeface="+mn-ea"/>
+              </a:rPr>
+              <a:t>3) Insurance Collision Report, Insurance Institute for Highway Safety, Watergate 600, Washington, DC 20037</a:t>
+            </a:r>
+            <a:endParaRPr lang="en-US" baseline="30000"/>
+          </a:p>
+          <a:p>
+            <a:r>
+              <a:rPr lang="en-US"/>
+              <a:t>2. Where is it coming from?</a:t>
+            </a:r>
+            <a:endParaRPr lang="en-US"/>
+          </a:p>
+          <a:p>
+            <a:r>
+              <a:rPr lang="en-US" baseline="30000"/>
+              <a:t>1985 Auto Imports Database</a:t>
+            </a:r>
+            <a:endParaRPr lang="en-US" baseline="30000"/>
+          </a:p>
+          <a:p>
+            <a:r>
+              <a:rPr lang="en-US" baseline="30000"/>
+              <a:t>https://archive.ics.uci.edu/ml/datasets/Automobile</a:t>
+            </a:r>
+            <a:endParaRPr lang="en-US" baseline="30000"/>
+          </a:p>
+          <a:p>
+            <a:r>
+              <a:rPr lang="en-US"/>
+              <a:t>3. What does the data look like?</a:t>
+            </a:r>
+            <a:endParaRPr lang="en-US"/>
+          </a:p>
+          <a:p>
+            <a:r>
+              <a:rPr lang="en-US" baseline="30000"/>
+              <a:t>There are 205 instances and 26 attributes. </a:t>
+            </a:r>
+            <a:r>
+              <a:rPr lang="en-US" baseline="30000">
+                <a:sym typeface="+mn-ea"/>
+              </a:rPr>
+              <a:t>Several of the attributes in this dataset could be used as a “class” attribute.</a:t>
+            </a:r>
+            <a:endParaRPr lang="en-US" baseline="30000"/>
+          </a:p>
+          <a:p>
+            <a:r>
+              <a:rPr lang="en-US"/>
+              <a:t>4.</a:t>
+            </a:r>
+            <a:r>
+              <a:rPr lang="en-US"/>
+              <a:t>What is the observation?</a:t>
+            </a:r>
+            <a:endParaRPr lang="en-US"/>
+          </a:p>
+          <a:p>
+            <a:r>
+              <a:rPr lang="en-US" baseline="30000"/>
+              <a:t>The dataset consists of three types of the entities: </a:t>
+            </a:r>
+            <a:endParaRPr lang="en-US" baseline="30000"/>
+          </a:p>
+          <a:p>
+            <a:r>
+              <a:rPr lang="en-US" baseline="30000"/>
+              <a:t>(1) the specification of an auto in terms of various characteristics,</a:t>
+            </a:r>
+            <a:endParaRPr lang="en-US" baseline="30000"/>
+          </a:p>
+          <a:p>
+            <a:r>
+              <a:rPr lang="en-US" baseline="30000"/>
+              <a:t>(2) its assigned insurance risk rating,</a:t>
+            </a:r>
+            <a:endParaRPr lang="en-US" baseline="30000"/>
+          </a:p>
+          <a:p>
+            <a:r>
+              <a:rPr lang="en-US" baseline="30000"/>
+              <a:t>(3) its normalized losses in use as compared to other car.</a:t>
+            </a:r>
+            <a:endParaRPr lang="en-US" baseline="30000"/>
+          </a:p>
+          <a:p>
+            <a:endParaRPr lang="en-US" baseline="30000"/>
+          </a:p>
+        </p:txBody>
+      </p:sp>
+      <p:sp>
+        <p:nvSpPr>
+          <p:cNvPr id="5" name="Text Box 4"/>
+          <p:cNvSpPr txBox="1"/>
+          <p:nvPr/>
+        </p:nvSpPr>
+        <p:spPr>
+          <a:xfrm>
+            <a:off x="6382385" y="6222365"/>
+            <a:ext cx="4971415" cy="368300"/>
+          </a:xfrm>
+          <a:prstGeom prst="rect">
+            <a:avLst/>
+          </a:prstGeom>
+          <a:noFill/>
+        </p:spPr>
+        <p:txBody>
+          <a:bodyPr wrap="square" rtlCol="0">
+            <a:spAutoFit/>
+          </a:bodyPr>
+          <a:p>
+            <a:pPr algn="r"/>
+            <a:r>
+              <a:rPr lang="en-US"/>
+              <a:t>Eins, Zhiyin Zhao</a:t>
+            </a:r>
+            <a:endParaRPr lang="en-US"/>
+          </a:p>
+        </p:txBody>
+      </p:sp>
+      <p:sp>
+        <p:nvSpPr>
+          <p:cNvPr id="6" name="Text Box 5"/>
+          <p:cNvSpPr txBox="1"/>
+          <p:nvPr/>
+        </p:nvSpPr>
+        <p:spPr>
+          <a:xfrm>
+            <a:off x="6382385" y="365125"/>
+            <a:ext cx="4971415" cy="368300"/>
+          </a:xfrm>
+          <a:prstGeom prst="rect">
+            <a:avLst/>
+          </a:prstGeom>
+          <a:noFill/>
+        </p:spPr>
+        <p:txBody>
+          <a:bodyPr wrap="square" rtlCol="0">
+            <a:spAutoFit/>
+          </a:bodyPr>
+          <a:p>
+            <a:pPr algn="r"/>
+            <a:r>
+              <a:rPr lang="en-US"/>
+              <a:t>Automobile Data</a:t>
+            </a:r>
+            <a:endParaRPr lang="en-US"/>
+          </a:p>
+        </p:txBody>
+      </p:sp>
+    </p:spTree>
+  </p:cSld>
+  <p:clrMapOvr>
+    <a:masterClrMapping/>
+  </p:clrMapOvr>
+</p:sld>
+</file>
+
+<file path=ppt/slides/slide6.xml><?xml version="1.0" encoding="utf-8"?>
+<p:sld xmlns:a="http://schemas.openxmlformats.org/drawingml/2006/main" xmlns:r="http://schemas.openxmlformats.org/officeDocument/2006/relationships" xmlns:p="http://schemas.openxmlformats.org/presentationml/2006/main">
+  <p:cSld>
+    <p:spTree>
+      <p:nvGrpSpPr>
+        <p:cNvPr id="1" name=""/>
+        <p:cNvGrpSpPr/>
+        <p:nvPr/>
+      </p:nvGrpSpPr>
+      <p:grpSpPr/>
+      <p:sp>
+        <p:nvSpPr>
+          <p:cNvPr id="2" name="Title 1"/>
+          <p:cNvSpPr>
+            <a:spLocks noGrp="1"/>
+          </p:cNvSpPr>
+          <p:nvPr>
+            <p:ph type="title"/>
+          </p:nvPr>
+        </p:nvSpPr>
         <p:spPr>
           <a:xfrm>
             <a:off x="838200" y="374015"/>
@@ -3248,6 +4469,66 @@
             <a:endParaRPr lang="en-US"/>
           </a:p>
           <a:p>
+            <a:endParaRPr lang="en-US"/>
+          </a:p>
+        </p:txBody>
+      </p:sp>
+      <p:sp>
+        <p:nvSpPr>
+          <p:cNvPr id="5" name="Text Box 4"/>
+          <p:cNvSpPr txBox="1"/>
+          <p:nvPr/>
+        </p:nvSpPr>
+        <p:spPr>
+          <a:xfrm>
+            <a:off x="6382385" y="6222365"/>
+            <a:ext cx="4971415" cy="368300"/>
+          </a:xfrm>
+          <a:prstGeom prst="rect">
+            <a:avLst/>
+          </a:prstGeom>
+          <a:noFill/>
+        </p:spPr>
+        <p:txBody>
+          <a:bodyPr wrap="square" rtlCol="0">
+            <a:spAutoFit/>
+          </a:bodyPr>
+          <a:p>
+            <a:pPr algn="r"/>
+            <a:r>
+              <a:rPr lang="en-US"/>
+              <a:t>Eins, Zhiyin Zhao</a:t>
+            </a:r>
+            <a:endParaRPr lang="en-US"/>
+          </a:p>
+        </p:txBody>
+      </p:sp>
+      <p:sp>
+        <p:nvSpPr>
+          <p:cNvPr id="6" name="Text Box 5"/>
+          <p:cNvSpPr txBox="1"/>
+          <p:nvPr/>
+        </p:nvSpPr>
+        <p:spPr>
+          <a:xfrm>
+            <a:off x="6382385" y="365125"/>
+            <a:ext cx="4971415" cy="368300"/>
+          </a:xfrm>
+          <a:prstGeom prst="rect">
+            <a:avLst/>
+          </a:prstGeom>
+          <a:noFill/>
+        </p:spPr>
+        <p:txBody>
+          <a:bodyPr wrap="square" rtlCol="0">
+            <a:spAutoFit/>
+          </a:bodyPr>
+          <a:p>
+            <a:pPr algn="r"/>
+            <a:r>
+              <a:rPr lang="en-US"/>
+              <a:t>Automobile Data</a:t>
+            </a:r>
             <a:endParaRPr lang="en-US"/>
           </a:p>
         </p:txBody>
@@ -3517,4 +4798,522 @@
     </a:ext>
   </a:extLst>
 </a:theme>
+</file>
+
+<file path=ppt/theme/theme2.xml><?xml version="1.0" encoding="utf-8"?>
+<a:theme xmlns:a="http://schemas.openxmlformats.org/drawingml/2006/main" name="Office Theme">
+  <a:themeElements>
+    <a:clrScheme name="Office">
+      <a:dk1>
+        <a:sysClr val="windowText" lastClr="000000"/>
+      </a:dk1>
+      <a:lt1>
+        <a:sysClr val="window" lastClr="FFFFFF"/>
+      </a:lt1>
+      <a:dk2>
+        <a:srgbClr val="44546A"/>
+      </a:dk2>
+      <a:lt2>
+        <a:srgbClr val="E7E6E6"/>
+      </a:lt2>
+      <a:accent1>
+        <a:srgbClr val="5B9BD5"/>
+      </a:accent1>
+      <a:accent2>
+        <a:srgbClr val="ED7D31"/>
+      </a:accent2>
+      <a:accent3>
+        <a:srgbClr val="A5A5A5"/>
+      </a:accent3>
+      <a:accent4>
+        <a:srgbClr val="FFC000"/>
+      </a:accent4>
+      <a:accent5>
+        <a:srgbClr val="4472C4"/>
+      </a:accent5>
+      <a:accent6>
+        <a:srgbClr val="70AD47"/>
+      </a:accent6>
+      <a:hlink>
+        <a:srgbClr val="0563C1"/>
+      </a:hlink>
+      <a:folHlink>
+        <a:srgbClr val="954F72"/>
+      </a:folHlink>
+    </a:clrScheme>
+    <a:fontScheme name="Office">
+      <a:majorFont>
+        <a:latin typeface="Calibri Light"/>
+        <a:ea typeface=""/>
+        <a:cs typeface=""/>
+        <a:font script="Jpan" typeface="ＭＳ Ｐゴシック"/>
+        <a:font script="Hang" typeface="맑은 고딕"/>
+        <a:font script="Hans" typeface="宋体"/>
+        <a:font script="Hant" typeface="新細明體"/>
+        <a:font script="Arab" typeface="Times New Roman"/>
+        <a:font script="Hebr" typeface="Times New Roman"/>
+        <a:font script="Thai" typeface="Angsana New"/>
+        <a:font script="Ethi" typeface="Nyala"/>
+        <a:font script="Beng" typeface="Vrinda"/>
+        <a:font script="Gujr" typeface="Shruti"/>
+        <a:font script="Khmr" typeface="MoolBoran"/>
+        <a:font script="Knda" typeface="Tunga"/>
+        <a:font script="Guru" typeface="Raavi"/>
+        <a:font script="Cans" typeface="Euphemia"/>
+        <a:font script="Cher" typeface="Plantagenet Cherokee"/>
+        <a:font script="Yiii" typeface="Microsoft Yi Baiti"/>
+        <a:font script="Tibt" typeface="Microsoft Himalaya"/>
+        <a:font script="Thaa" typeface="MV Boli"/>
+        <a:font script="Deva" typeface="Mangal"/>
+        <a:font script="Telu" typeface="Gautami"/>
+        <a:font script="Taml" typeface="Latha"/>
+        <a:font script="Syrc" typeface="Estrangelo Edessa"/>
+        <a:font script="Orya" typeface="Kalinga"/>
+        <a:font script="Mlym" typeface="Kartika"/>
+        <a:font script="Laoo" typeface="DokChampa"/>
+        <a:font script="Sinh" typeface="Iskoola Pota"/>
+        <a:font script="Mong" typeface="Mongolian Baiti"/>
+        <a:font script="Viet" typeface="Times New Roman"/>
+        <a:font script="Uigh" typeface="Microsoft Uighur"/>
+        <a:font script="Geor" typeface="Sylfaen"/>
+      </a:majorFont>
+      <a:minorFont>
+        <a:latin typeface="Calibri"/>
+        <a:ea typeface=""/>
+        <a:cs typeface=""/>
+        <a:font script="Jpan" typeface="ＭＳ Ｐゴシック"/>
+        <a:font script="Hang" typeface="맑은 고딕"/>
+        <a:font script="Hans" typeface="宋体"/>
+        <a:font script="Hant" typeface="新細明體"/>
+        <a:font script="Arab" typeface="Arial"/>
+        <a:font script="Hebr" typeface="Arial"/>
+        <a:font script="Thai" typeface="Cordia New"/>
+        <a:font script="Ethi" typeface="Nyala"/>
+        <a:font script="Beng" typeface="Vrinda"/>
+        <a:font script="Gujr" typeface="Shruti"/>
+        <a:font script="Khmr" typeface="DaunPenh"/>
+        <a:font script="Knda" typeface="Tunga"/>
+        <a:font script="Guru" typeface="Raavi"/>
+        <a:font script="Cans" typeface="Euphemia"/>
+        <a:font script="Cher" typeface="Plantagenet Cherokee"/>
+        <a:font script="Yiii" typeface="Microsoft Yi Baiti"/>
+        <a:font script="Tibt" typeface="Microsoft Himalaya"/>
+        <a:font script="Thaa" typeface="MV Boli"/>
+        <a:font script="Deva" typeface="Mangal"/>
+        <a:font script="Telu" typeface="Gautami"/>
+        <a:font script="Taml" typeface="Latha"/>
+        <a:font script="Syrc" typeface="Estrangelo Edessa"/>
+        <a:font script="Orya" typeface="Kalinga"/>
+        <a:font script="Mlym" typeface="Kartika"/>
+        <a:font script="Laoo" typeface="DokChampa"/>
+        <a:font script="Sinh" typeface="Iskoola Pota"/>
+        <a:font script="Mong" typeface="Mongolian Baiti"/>
+        <a:font script="Viet" typeface="Arial"/>
+        <a:font script="Uigh" typeface="Microsoft Uighur"/>
+        <a:font script="Geor" typeface="Sylfaen"/>
+      </a:minorFont>
+    </a:fontScheme>
+    <a:fmtScheme name="Office">
+      <a:fillStyleLst>
+        <a:solidFill>
+          <a:schemeClr val="phClr"/>
+        </a:solidFill>
+        <a:gradFill rotWithShape="1">
+          <a:gsLst>
+            <a:gs pos="0">
+              <a:schemeClr val="phClr">
+                <a:lumMod val="110000"/>
+                <a:satMod val="105000"/>
+                <a:tint val="67000"/>
+              </a:schemeClr>
+            </a:gs>
+            <a:gs pos="50000">
+              <a:schemeClr val="phClr">
+                <a:lumMod val="105000"/>
+                <a:satMod val="103000"/>
+                <a:tint val="73000"/>
+              </a:schemeClr>
+            </a:gs>
+            <a:gs pos="100000">
+              <a:schemeClr val="phClr">
+                <a:lumMod val="105000"/>
+                <a:satMod val="109000"/>
+                <a:tint val="81000"/>
+              </a:schemeClr>
+            </a:gs>
+          </a:gsLst>
+          <a:lin ang="5400000" scaled="0"/>
+        </a:gradFill>
+        <a:gradFill rotWithShape="1">
+          <a:gsLst>
+            <a:gs pos="0">
+              <a:schemeClr val="phClr">
+                <a:satMod val="103000"/>
+                <a:lumMod val="102000"/>
+                <a:tint val="94000"/>
+              </a:schemeClr>
+            </a:gs>
+            <a:gs pos="50000">
+              <a:schemeClr val="phClr">
+                <a:satMod val="110000"/>
+                <a:lumMod val="100000"/>
+                <a:shade val="100000"/>
+              </a:schemeClr>
+            </a:gs>
+            <a:gs pos="100000">
+              <a:schemeClr val="phClr">
+                <a:lumMod val="99000"/>
+                <a:satMod val="120000"/>
+                <a:shade val="78000"/>
+              </a:schemeClr>
+            </a:gs>
+          </a:gsLst>
+          <a:lin ang="5400000" scaled="0"/>
+        </a:gradFill>
+      </a:fillStyleLst>
+      <a:lnStyleLst>
+        <a:ln w="6350" cap="flat" cmpd="sng" algn="ctr">
+          <a:solidFill>
+            <a:schemeClr val="phClr"/>
+          </a:solidFill>
+          <a:prstDash val="solid"/>
+          <a:miter lim="800000"/>
+        </a:ln>
+        <a:ln w="12700" cap="flat" cmpd="sng" algn="ctr">
+          <a:solidFill>
+            <a:schemeClr val="phClr"/>
+          </a:solidFill>
+          <a:prstDash val="solid"/>
+          <a:miter lim="800000"/>
+        </a:ln>
+        <a:ln w="19050" cap="flat" cmpd="sng" algn="ctr">
+          <a:solidFill>
+            <a:schemeClr val="phClr"/>
+          </a:solidFill>
+          <a:prstDash val="solid"/>
+          <a:miter lim="800000"/>
+        </a:ln>
+      </a:lnStyleLst>
+      <a:effectStyleLst>
+        <a:effectStyle>
+          <a:effectLst/>
+        </a:effectStyle>
+        <a:effectStyle>
+          <a:effectLst/>
+        </a:effectStyle>
+        <a:effectStyle>
+          <a:effectLst>
+            <a:outerShdw blurRad="57150" dist="19050" dir="5400000" algn="ctr" rotWithShape="0">
+              <a:srgbClr val="000000">
+                <a:alpha val="63000"/>
+              </a:srgbClr>
+            </a:outerShdw>
+          </a:effectLst>
+        </a:effectStyle>
+      </a:effectStyleLst>
+      <a:bgFillStyleLst>
+        <a:solidFill>
+          <a:schemeClr val="phClr"/>
+        </a:solidFill>
+        <a:solidFill>
+          <a:schemeClr val="phClr">
+            <a:tint val="95000"/>
+            <a:satMod val="170000"/>
+          </a:schemeClr>
+        </a:solidFill>
+        <a:gradFill rotWithShape="1">
+          <a:gsLst>
+            <a:gs pos="0">
+              <a:schemeClr val="phClr">
+                <a:tint val="93000"/>
+                <a:satMod val="150000"/>
+                <a:shade val="98000"/>
+                <a:lumMod val="102000"/>
+              </a:schemeClr>
+            </a:gs>
+            <a:gs pos="50000">
+              <a:schemeClr val="phClr">
+                <a:tint val="98000"/>
+                <a:satMod val="130000"/>
+                <a:shade val="90000"/>
+                <a:lumMod val="103000"/>
+              </a:schemeClr>
+            </a:gs>
+            <a:gs pos="100000">
+              <a:schemeClr val="phClr">
+                <a:shade val="63000"/>
+                <a:satMod val="120000"/>
+              </a:schemeClr>
+            </a:gs>
+          </a:gsLst>
+          <a:lin ang="5400000" scaled="0"/>
+        </a:gradFill>
+      </a:bgFillStyleLst>
+    </a:fmtScheme>
+  </a:themeElements>
+  <a:extLst>
+    <a:ext uri="{05A4C25C-085E-4340-85A3-A5531E510DB2}">
+      <thm15:themeFamily xmlns:thm15="http://schemas.microsoft.com/office/thememl/2012/main" name="Office Theme" id="{62F939B6-93AF-4DB8-9C6B-D6C7DFDC589F}" vid="{4A3C46E8-61CC-4603-A589-7422A47A8E4A}"/>
+    </a:ext>
+  </a:extLst>
+</a:theme>
+</file>
+
+<file path=ppt/theme/theme3.xml><?xml version="1.0" encoding="utf-8"?>
+<a:theme xmlns:a="http://schemas.openxmlformats.org/drawingml/2006/main" name="Office Theme">
+  <a:themeElements>
+    <a:clrScheme name="Office">
+      <a:dk1>
+        <a:sysClr val="windowText" lastClr="000000"/>
+      </a:dk1>
+      <a:lt1>
+        <a:sysClr val="window" lastClr="FFFFFF"/>
+      </a:lt1>
+      <a:dk2>
+        <a:srgbClr val="44546A"/>
+      </a:dk2>
+      <a:lt2>
+        <a:srgbClr val="E7E6E6"/>
+      </a:lt2>
+      <a:accent1>
+        <a:srgbClr val="5B9BD5"/>
+      </a:accent1>
+      <a:accent2>
+        <a:srgbClr val="ED7D31"/>
+      </a:accent2>
+      <a:accent3>
+        <a:srgbClr val="A5A5A5"/>
+      </a:accent3>
+      <a:accent4>
+        <a:srgbClr val="FFC000"/>
+      </a:accent4>
+      <a:accent5>
+        <a:srgbClr val="4472C4"/>
+      </a:accent5>
+      <a:accent6>
+        <a:srgbClr val="70AD47"/>
+      </a:accent6>
+      <a:hlink>
+        <a:srgbClr val="0563C1"/>
+      </a:hlink>
+      <a:folHlink>
+        <a:srgbClr val="954F72"/>
+      </a:folHlink>
+    </a:clrScheme>
+    <a:fontScheme name="Office">
+      <a:majorFont>
+        <a:latin typeface="Calibri Light"/>
+        <a:ea typeface=""/>
+        <a:cs typeface=""/>
+        <a:font script="Jpan" typeface="ＭＳ Ｐゴシック"/>
+        <a:font script="Hang" typeface="맑은 고딕"/>
+        <a:font script="Hans" typeface="宋体"/>
+        <a:font script="Hant" typeface="新細明體"/>
+        <a:font script="Arab" typeface="Times New Roman"/>
+        <a:font script="Hebr" typeface="Times New Roman"/>
+        <a:font script="Thai" typeface="Angsana New"/>
+        <a:font script="Ethi" typeface="Nyala"/>
+        <a:font script="Beng" typeface="Vrinda"/>
+        <a:font script="Gujr" typeface="Shruti"/>
+        <a:font script="Khmr" typeface="MoolBoran"/>
+        <a:font script="Knda" typeface="Tunga"/>
+        <a:font script="Guru" typeface="Raavi"/>
+        <a:font script="Cans" typeface="Euphemia"/>
+        <a:font script="Cher" typeface="Plantagenet Cherokee"/>
+        <a:font script="Yiii" typeface="Microsoft Yi Baiti"/>
+        <a:font script="Tibt" typeface="Microsoft Himalaya"/>
+        <a:font script="Thaa" typeface="MV Boli"/>
+        <a:font script="Deva" typeface="Mangal"/>
+        <a:font script="Telu" typeface="Gautami"/>
+        <a:font script="Taml" typeface="Latha"/>
+        <a:font script="Syrc" typeface="Estrangelo Edessa"/>
+        <a:font script="Orya" typeface="Kalinga"/>
+        <a:font script="Mlym" typeface="Kartika"/>
+        <a:font script="Laoo" typeface="DokChampa"/>
+        <a:font script="Sinh" typeface="Iskoola Pota"/>
+        <a:font script="Mong" typeface="Mongolian Baiti"/>
+        <a:font script="Viet" typeface="Times New Roman"/>
+        <a:font script="Uigh" typeface="Microsoft Uighur"/>
+        <a:font script="Geor" typeface="Sylfaen"/>
+      </a:majorFont>
+      <a:minorFont>
+        <a:latin typeface="Calibri"/>
+        <a:ea typeface=""/>
+        <a:cs typeface=""/>
+        <a:font script="Jpan" typeface="ＭＳ Ｐゴシック"/>
+        <a:font script="Hang" typeface="맑은 고딕"/>
+        <a:font script="Hans" typeface="宋体"/>
+        <a:font script="Hant" typeface="新細明體"/>
+        <a:font script="Arab" typeface="Arial"/>
+        <a:font script="Hebr" typeface="Arial"/>
+        <a:font script="Thai" typeface="Cordia New"/>
+        <a:font script="Ethi" typeface="Nyala"/>
+        <a:font script="Beng" typeface="Vrinda"/>
+        <a:font script="Gujr" typeface="Shruti"/>
+        <a:font script="Khmr" typeface="DaunPenh"/>
+        <a:font script="Knda" typeface="Tunga"/>
+        <a:font script="Guru" typeface="Raavi"/>
+        <a:font script="Cans" typeface="Euphemia"/>
+        <a:font script="Cher" typeface="Plantagenet Cherokee"/>
+        <a:font script="Yiii" typeface="Microsoft Yi Baiti"/>
+        <a:font script="Tibt" typeface="Microsoft Himalaya"/>
+        <a:font script="Thaa" typeface="MV Boli"/>
+        <a:font script="Deva" typeface="Mangal"/>
+        <a:font script="Telu" typeface="Gautami"/>
+        <a:font script="Taml" typeface="Latha"/>
+        <a:font script="Syrc" typeface="Estrangelo Edessa"/>
+        <a:font script="Orya" typeface="Kalinga"/>
+        <a:font script="Mlym" typeface="Kartika"/>
+        <a:font script="Laoo" typeface="DokChampa"/>
+        <a:font script="Sinh" typeface="Iskoola Pota"/>
+        <a:font script="Mong" typeface="Mongolian Baiti"/>
+        <a:font script="Viet" typeface="Arial"/>
+        <a:font script="Uigh" typeface="Microsoft Uighur"/>
+        <a:font script="Geor" typeface="Sylfaen"/>
+      </a:minorFont>
+    </a:fontScheme>
+    <a:fmtScheme name="Office">
+      <a:fillStyleLst>
+        <a:solidFill>
+          <a:schemeClr val="phClr"/>
+        </a:solidFill>
+        <a:gradFill rotWithShape="1">
+          <a:gsLst>
+            <a:gs pos="0">
+              <a:schemeClr val="phClr">
+                <a:lumMod val="110000"/>
+                <a:satMod val="105000"/>
+                <a:tint val="67000"/>
+              </a:schemeClr>
+            </a:gs>
+            <a:gs pos="50000">
+              <a:schemeClr val="phClr">
+                <a:lumMod val="105000"/>
+                <a:satMod val="103000"/>
+                <a:tint val="73000"/>
+              </a:schemeClr>
+            </a:gs>
+            <a:gs pos="100000">
+              <a:schemeClr val="phClr">
+                <a:lumMod val="105000"/>
+                <a:satMod val="109000"/>
+                <a:tint val="81000"/>
+              </a:schemeClr>
+            </a:gs>
+          </a:gsLst>
+          <a:lin ang="5400000" scaled="0"/>
+        </a:gradFill>
+        <a:gradFill rotWithShape="1">
+          <a:gsLst>
+            <a:gs pos="0">
+              <a:schemeClr val="phClr">
+                <a:satMod val="103000"/>
+                <a:lumMod val="102000"/>
+                <a:tint val="94000"/>
+              </a:schemeClr>
+            </a:gs>
+            <a:gs pos="50000">
+              <a:schemeClr val="phClr">
+                <a:satMod val="110000"/>
+                <a:lumMod val="100000"/>
+                <a:shade val="100000"/>
+              </a:schemeClr>
+            </a:gs>
+            <a:gs pos="100000">
+              <a:schemeClr val="phClr">
+                <a:lumMod val="99000"/>
+                <a:satMod val="120000"/>
+                <a:shade val="78000"/>
+              </a:schemeClr>
+            </a:gs>
+          </a:gsLst>
+          <a:lin ang="5400000" scaled="0"/>
+        </a:gradFill>
+      </a:fillStyleLst>
+      <a:lnStyleLst>
+        <a:ln w="6350" cap="flat" cmpd="sng" algn="ctr">
+          <a:solidFill>
+            <a:schemeClr val="phClr"/>
+          </a:solidFill>
+          <a:prstDash val="solid"/>
+          <a:miter lim="800000"/>
+        </a:ln>
+        <a:ln w="12700" cap="flat" cmpd="sng" algn="ctr">
+          <a:solidFill>
+            <a:schemeClr val="phClr"/>
+          </a:solidFill>
+          <a:prstDash val="solid"/>
+          <a:miter lim="800000"/>
+        </a:ln>
+        <a:ln w="19050" cap="flat" cmpd="sng" algn="ctr">
+          <a:solidFill>
+            <a:schemeClr val="phClr"/>
+          </a:solidFill>
+          <a:prstDash val="solid"/>
+          <a:miter lim="800000"/>
+        </a:ln>
+      </a:lnStyleLst>
+      <a:effectStyleLst>
+        <a:effectStyle>
+          <a:effectLst/>
+        </a:effectStyle>
+        <a:effectStyle>
+          <a:effectLst/>
+        </a:effectStyle>
+        <a:effectStyle>
+          <a:effectLst>
+            <a:outerShdw blurRad="57150" dist="19050" dir="5400000" algn="ctr" rotWithShape="0">
+              <a:srgbClr val="000000">
+                <a:alpha val="63000"/>
+              </a:srgbClr>
+            </a:outerShdw>
+          </a:effectLst>
+        </a:effectStyle>
+      </a:effectStyleLst>
+      <a:bgFillStyleLst>
+        <a:solidFill>
+          <a:schemeClr val="phClr"/>
+        </a:solidFill>
+        <a:solidFill>
+          <a:schemeClr val="phClr">
+            <a:tint val="95000"/>
+            <a:satMod val="170000"/>
+          </a:schemeClr>
+        </a:solidFill>
+        <a:gradFill rotWithShape="1">
+          <a:gsLst>
+            <a:gs pos="0">
+              <a:schemeClr val="phClr">
+                <a:tint val="93000"/>
+                <a:satMod val="150000"/>
+                <a:shade val="98000"/>
+                <a:lumMod val="102000"/>
+              </a:schemeClr>
+            </a:gs>
+            <a:gs pos="50000">
+              <a:schemeClr val="phClr">
+                <a:tint val="98000"/>
+                <a:satMod val="130000"/>
+                <a:shade val="90000"/>
+                <a:lumMod val="103000"/>
+              </a:schemeClr>
+            </a:gs>
+            <a:gs pos="100000">
+              <a:schemeClr val="phClr">
+                <a:shade val="63000"/>
+                <a:satMod val="120000"/>
+              </a:schemeClr>
+            </a:gs>
+          </a:gsLst>
+          <a:lin ang="5400000" scaled="0"/>
+        </a:gradFill>
+      </a:bgFillStyleLst>
+    </a:fmtScheme>
+  </a:themeElements>
+  <a:extLst>
+    <a:ext uri="{05A4C25C-085E-4340-85A3-A5531E510DB2}">
+      <thm15:themeFamily xmlns:thm15="http://schemas.microsoft.com/office/thememl/2012/main" name="Office Theme" id="{62F939B6-93AF-4DB8-9C6B-D6C7DFDC589F}" vid="{4A3C46E8-61CC-4603-A589-7422A47A8E4A}"/>
+    </a:ext>
+  </a:extLst>
+</a:theme>
 </file>